--- a/source/lessons/lsn35/Lsn35.pptx
+++ b/source/lessons/lsn35/Lsn35.pptx
@@ -7,10 +7,10 @@
     <p:sldMasterId id="2147483667" r:id="rId3"/>
   </p:sldMasterIdLst>
   <p:notesMasterIdLst>
-    <p:notesMasterId r:id="rId27"/>
+    <p:notesMasterId r:id="rId28"/>
   </p:notesMasterIdLst>
   <p:handoutMasterIdLst>
-    <p:handoutMasterId r:id="rId28"/>
+    <p:handoutMasterId r:id="rId29"/>
   </p:handoutMasterIdLst>
   <p:sldIdLst>
     <p:sldId id="352" r:id="rId4"/>
@@ -29,13 +29,14 @@
     <p:sldId id="402" r:id="rId17"/>
     <p:sldId id="403" r:id="rId18"/>
     <p:sldId id="404" r:id="rId19"/>
-    <p:sldId id="405" r:id="rId20"/>
-    <p:sldId id="406" r:id="rId21"/>
-    <p:sldId id="407" r:id="rId22"/>
-    <p:sldId id="408" r:id="rId23"/>
-    <p:sldId id="409" r:id="rId24"/>
-    <p:sldId id="410" r:id="rId25"/>
-    <p:sldId id="353" r:id="rId26"/>
+    <p:sldId id="412" r:id="rId20"/>
+    <p:sldId id="405" r:id="rId21"/>
+    <p:sldId id="406" r:id="rId22"/>
+    <p:sldId id="407" r:id="rId23"/>
+    <p:sldId id="408" r:id="rId24"/>
+    <p:sldId id="409" r:id="rId25"/>
+    <p:sldId id="410" r:id="rId26"/>
+    <p:sldId id="353" r:id="rId27"/>
   </p:sldIdLst>
   <p:sldSz cx="9144000" cy="6858000" type="screen4x3"/>
   <p:notesSz cx="7010400" cy="9296400"/>
@@ -1645,7 +1646,7 @@
           <a:p>
             <a:fld id="{834513E8-165F-4932-9E2D-FD497CB9A4FD}" type="datetimeFigureOut">
               <a:rPr lang="en-US" smtClean="0"/>
-              <a:t>8/14/2018</a:t>
+              <a:t>11/20/2018</a:t>
             </a:fld>
             <a:endParaRPr lang="en-US"/>
           </a:p>
@@ -1763,7 +1764,7 @@
           <a:p>
             <a:fld id="{834513E8-165F-4932-9E2D-FD497CB9A4FD}" type="datetimeFigureOut">
               <a:rPr lang="en-US" smtClean="0"/>
-              <a:t>8/14/2018</a:t>
+              <a:t>11/20/2018</a:t>
             </a:fld>
             <a:endParaRPr lang="en-US"/>
           </a:p>
@@ -1858,7 +1859,7 @@
           <a:p>
             <a:fld id="{834513E8-165F-4932-9E2D-FD497CB9A4FD}" type="datetimeFigureOut">
               <a:rPr lang="en-US" smtClean="0"/>
-              <a:t>8/14/2018</a:t>
+              <a:t>11/20/2018</a:t>
             </a:fld>
             <a:endParaRPr lang="en-US"/>
           </a:p>
@@ -2135,7 +2136,7 @@
           <a:p>
             <a:fld id="{834513E8-165F-4932-9E2D-FD497CB9A4FD}" type="datetimeFigureOut">
               <a:rPr lang="en-US" smtClean="0"/>
-              <a:t>8/14/2018</a:t>
+              <a:t>11/20/2018</a:t>
             </a:fld>
             <a:endParaRPr lang="en-US"/>
           </a:p>
@@ -2388,7 +2389,7 @@
           <a:p>
             <a:fld id="{834513E8-165F-4932-9E2D-FD497CB9A4FD}" type="datetimeFigureOut">
               <a:rPr lang="en-US" smtClean="0"/>
-              <a:t>8/14/2018</a:t>
+              <a:t>11/20/2018</a:t>
             </a:fld>
             <a:endParaRPr lang="en-US"/>
           </a:p>
@@ -2558,7 +2559,7 @@
           <a:p>
             <a:fld id="{834513E8-165F-4932-9E2D-FD497CB9A4FD}" type="datetimeFigureOut">
               <a:rPr lang="en-US" smtClean="0"/>
-              <a:t>8/14/2018</a:t>
+              <a:t>11/20/2018</a:t>
             </a:fld>
             <a:endParaRPr lang="en-US"/>
           </a:p>
@@ -2738,7 +2739,7 @@
           <a:p>
             <a:fld id="{834513E8-165F-4932-9E2D-FD497CB9A4FD}" type="datetimeFigureOut">
               <a:rPr lang="en-US" smtClean="0"/>
-              <a:t>8/14/2018</a:t>
+              <a:t>11/20/2018</a:t>
             </a:fld>
             <a:endParaRPr lang="en-US"/>
           </a:p>
@@ -3803,7 +3804,7 @@
               <a:pPr>
                 <a:defRPr/>
               </a:pPr>
-              <a:t>14 August 2018</a:t>
+              <a:t>20 November 2018</a:t>
             </a:fld>
             <a:endParaRPr lang="en-US">
               <a:solidFill>
@@ -4056,7 +4057,7 @@
           <a:p>
             <a:fld id="{834513E8-165F-4932-9E2D-FD497CB9A4FD}" type="datetimeFigureOut">
               <a:rPr lang="en-US" smtClean="0"/>
-              <a:t>8/14/2018</a:t>
+              <a:t>11/20/2018</a:t>
             </a:fld>
             <a:endParaRPr lang="en-US"/>
           </a:p>
@@ -4226,7 +4227,7 @@
           <a:p>
             <a:fld id="{834513E8-165F-4932-9E2D-FD497CB9A4FD}" type="datetimeFigureOut">
               <a:rPr lang="en-US" smtClean="0"/>
-              <a:t>8/14/2018</a:t>
+              <a:t>11/20/2018</a:t>
             </a:fld>
             <a:endParaRPr lang="en-US"/>
           </a:p>
@@ -4472,7 +4473,7 @@
           <a:p>
             <a:fld id="{834513E8-165F-4932-9E2D-FD497CB9A4FD}" type="datetimeFigureOut">
               <a:rPr lang="en-US" smtClean="0"/>
-              <a:t>8/14/2018</a:t>
+              <a:t>11/20/2018</a:t>
             </a:fld>
             <a:endParaRPr lang="en-US"/>
           </a:p>
@@ -4704,7 +4705,7 @@
           <a:p>
             <a:fld id="{834513E8-165F-4932-9E2D-FD497CB9A4FD}" type="datetimeFigureOut">
               <a:rPr lang="en-US" smtClean="0"/>
-              <a:t>8/14/2018</a:t>
+              <a:t>11/20/2018</a:t>
             </a:fld>
             <a:endParaRPr lang="en-US"/>
           </a:p>
@@ -6522,7 +6523,7 @@
           <a:p>
             <a:fld id="{834513E8-165F-4932-9E2D-FD497CB9A4FD}" type="datetimeFigureOut">
               <a:rPr lang="en-US" smtClean="0"/>
-              <a:t>8/14/2018</a:t>
+              <a:t>11/20/2018</a:t>
             </a:fld>
             <a:endParaRPr lang="en-US"/>
           </a:p>
@@ -11262,16 +11263,6 @@
               </a:rPr>
               <a:t>Inputs</a:t>
             </a:r>
-            <a:endParaRPr kumimoji="0" lang="en-US" sz="1600" b="0" i="0" u="none" strike="noStrike" cap="none" normalizeH="0" baseline="0" dirty="0" smtClean="0">
-              <a:ln>
-                <a:noFill/>
-              </a:ln>
-              <a:solidFill>
-                <a:schemeClr val="tx1"/>
-              </a:solidFill>
-              <a:effectLst/>
-              <a:latin typeface="Arial" charset="0"/>
-            </a:endParaRPr>
           </a:p>
         </p:txBody>
       </p:sp>
@@ -11609,6 +11600,493 @@
           <a:p>
             <a:r>
               <a:rPr lang="en-US" dirty="0" smtClean="0"/>
+              <a:t>Clocks</a:t>
+            </a:r>
+            <a:endParaRPr lang="en-US" dirty="0"/>
+          </a:p>
+        </p:txBody>
+      </p:sp>
+      <p:pic>
+        <p:nvPicPr>
+          <p:cNvPr id="4" name="Picture 3"/>
+          <p:cNvPicPr>
+            <a:picLocks noChangeAspect="1"/>
+          </p:cNvPicPr>
+          <p:nvPr/>
+        </p:nvPicPr>
+        <p:blipFill>
+          <a:blip r:embed="rId2"/>
+          <a:stretch>
+            <a:fillRect/>
+          </a:stretch>
+        </p:blipFill>
+        <p:spPr>
+          <a:xfrm>
+            <a:off x="4228658" y="1556776"/>
+            <a:ext cx="3771913" cy="2436668"/>
+          </a:xfrm>
+          <a:prstGeom prst="rect">
+            <a:avLst/>
+          </a:prstGeom>
+        </p:spPr>
+      </p:pic>
+      <p:pic>
+        <p:nvPicPr>
+          <p:cNvPr id="5" name="Picture 4"/>
+          <p:cNvPicPr>
+            <a:picLocks noChangeAspect="1"/>
+          </p:cNvPicPr>
+          <p:nvPr/>
+        </p:nvPicPr>
+        <p:blipFill>
+          <a:blip r:embed="rId3"/>
+          <a:stretch>
+            <a:fillRect/>
+          </a:stretch>
+        </p:blipFill>
+        <p:spPr>
+          <a:xfrm>
+            <a:off x="3335486" y="3993444"/>
+            <a:ext cx="5800725" cy="2864556"/>
+          </a:xfrm>
+          <a:prstGeom prst="rect">
+            <a:avLst/>
+          </a:prstGeom>
+        </p:spPr>
+      </p:pic>
+      <p:sp>
+        <p:nvSpPr>
+          <p:cNvPr id="6" name="Oval 5"/>
+          <p:cNvSpPr/>
+          <p:nvPr/>
+        </p:nvSpPr>
+        <p:spPr bwMode="auto">
+          <a:xfrm>
+            <a:off x="7469226" y="2431473"/>
+            <a:ext cx="531345" cy="342900"/>
+          </a:xfrm>
+          <a:prstGeom prst="ellipse">
+            <a:avLst/>
+          </a:prstGeom>
+          <a:noFill/>
+          <a:ln w="25400" cap="flat" cmpd="sng" algn="ctr">
+            <a:solidFill>
+              <a:srgbClr val="FF0000"/>
+            </a:solidFill>
+            <a:prstDash val="solid"/>
+            <a:round/>
+            <a:headEnd type="none" w="med" len="med"/>
+            <a:tailEnd type="none" w="med" len="med"/>
+          </a:ln>
+          <a:effectLst/>
+        </p:spPr>
+        <p:txBody>
+          <a:bodyPr vert="horz" wrap="square" lIns="91440" tIns="45720" rIns="91440" bIns="45720" numCol="1" rtlCol="0" anchor="ctr" anchorCtr="0" compatLnSpc="1">
+            <a:prstTxWarp prst="textNoShape">
+              <a:avLst/>
+            </a:prstTxWarp>
+            <a:noAutofit/>
+          </a:bodyPr>
+          <a:lstStyle/>
+          <a:p>
+            <a:pPr>
+              <a:spcBef>
+                <a:spcPct val="50000"/>
+              </a:spcBef>
+            </a:pPr>
+            <a:endParaRPr lang="en-US" dirty="0" smtClean="0">
+              <a:solidFill>
+                <a:srgbClr val="FF0000"/>
+              </a:solidFill>
+              <a:latin typeface="Times New Roman" pitchFamily="18" charset="0"/>
+              <a:sym typeface="Wingdings" pitchFamily="2" charset="2"/>
+            </a:endParaRPr>
+          </a:p>
+        </p:txBody>
+      </p:sp>
+      <p:sp>
+        <p:nvSpPr>
+          <p:cNvPr id="7" name="Oval 6"/>
+          <p:cNvSpPr/>
+          <p:nvPr/>
+        </p:nvSpPr>
+        <p:spPr bwMode="auto">
+          <a:xfrm>
+            <a:off x="6491295" y="2198088"/>
+            <a:ext cx="531345" cy="342900"/>
+          </a:xfrm>
+          <a:prstGeom prst="ellipse">
+            <a:avLst/>
+          </a:prstGeom>
+          <a:noFill/>
+          <a:ln w="25400" cap="flat" cmpd="sng" algn="ctr">
+            <a:solidFill>
+              <a:srgbClr val="FF0000"/>
+            </a:solidFill>
+            <a:prstDash val="solid"/>
+            <a:round/>
+            <a:headEnd type="none" w="med" len="med"/>
+            <a:tailEnd type="none" w="med" len="med"/>
+          </a:ln>
+          <a:effectLst/>
+        </p:spPr>
+        <p:txBody>
+          <a:bodyPr vert="horz" wrap="square" lIns="91440" tIns="45720" rIns="91440" bIns="45720" numCol="1" rtlCol="0" anchor="ctr" anchorCtr="0" compatLnSpc="1">
+            <a:prstTxWarp prst="textNoShape">
+              <a:avLst/>
+            </a:prstTxWarp>
+            <a:noAutofit/>
+          </a:bodyPr>
+          <a:lstStyle/>
+          <a:p>
+            <a:pPr>
+              <a:spcBef>
+                <a:spcPct val="50000"/>
+              </a:spcBef>
+            </a:pPr>
+            <a:endParaRPr lang="en-US" dirty="0" smtClean="0">
+              <a:solidFill>
+                <a:srgbClr val="FF0000"/>
+              </a:solidFill>
+              <a:latin typeface="Times New Roman" pitchFamily="18" charset="0"/>
+              <a:sym typeface="Wingdings" pitchFamily="2" charset="2"/>
+            </a:endParaRPr>
+          </a:p>
+        </p:txBody>
+      </p:sp>
+      <p:sp>
+        <p:nvSpPr>
+          <p:cNvPr id="8" name="Oval 7"/>
+          <p:cNvSpPr/>
+          <p:nvPr/>
+        </p:nvSpPr>
+        <p:spPr bwMode="auto">
+          <a:xfrm>
+            <a:off x="5568988" y="3222414"/>
+            <a:ext cx="839180" cy="424359"/>
+          </a:xfrm>
+          <a:prstGeom prst="ellipse">
+            <a:avLst/>
+          </a:prstGeom>
+          <a:noFill/>
+          <a:ln w="25400" cap="flat" cmpd="sng" algn="ctr">
+            <a:solidFill>
+              <a:srgbClr val="FF0000"/>
+            </a:solidFill>
+            <a:prstDash val="solid"/>
+            <a:round/>
+            <a:headEnd type="none" w="med" len="med"/>
+            <a:tailEnd type="none" w="med" len="med"/>
+          </a:ln>
+          <a:effectLst/>
+        </p:spPr>
+        <p:txBody>
+          <a:bodyPr vert="horz" wrap="square" lIns="91440" tIns="45720" rIns="91440" bIns="45720" numCol="1" rtlCol="0" anchor="ctr" anchorCtr="0" compatLnSpc="1">
+            <a:prstTxWarp prst="textNoShape">
+              <a:avLst/>
+            </a:prstTxWarp>
+            <a:noAutofit/>
+          </a:bodyPr>
+          <a:lstStyle/>
+          <a:p>
+            <a:pPr>
+              <a:spcBef>
+                <a:spcPct val="50000"/>
+              </a:spcBef>
+            </a:pPr>
+            <a:endParaRPr lang="en-US" dirty="0" smtClean="0">
+              <a:solidFill>
+                <a:srgbClr val="FF0000"/>
+              </a:solidFill>
+              <a:latin typeface="Times New Roman" pitchFamily="18" charset="0"/>
+              <a:sym typeface="Wingdings" pitchFamily="2" charset="2"/>
+            </a:endParaRPr>
+          </a:p>
+        </p:txBody>
+      </p:sp>
+      <p:sp>
+        <p:nvSpPr>
+          <p:cNvPr id="9" name="TextBox 8"/>
+          <p:cNvSpPr txBox="1"/>
+          <p:nvPr/>
+        </p:nvSpPr>
+        <p:spPr>
+          <a:xfrm>
+            <a:off x="394855" y="2015836"/>
+            <a:ext cx="3581730" cy="1569660"/>
+          </a:xfrm>
+          <a:prstGeom prst="rect">
+            <a:avLst/>
+          </a:prstGeom>
+          <a:noFill/>
+        </p:spPr>
+        <p:txBody>
+          <a:bodyPr wrap="square" rtlCol="0">
+            <a:spAutoFit/>
+          </a:bodyPr>
+          <a:lstStyle/>
+          <a:p>
+            <a:r>
+              <a:rPr lang="en-US" dirty="0" smtClean="0">
+                <a:solidFill>
+                  <a:srgbClr val="FF0000"/>
+                </a:solidFill>
+              </a:rPr>
+              <a:t>SMCLK</a:t>
+            </a:r>
+            <a:r>
+              <a:rPr lang="en-US" dirty="0" smtClean="0"/>
+              <a:t> and </a:t>
+            </a:r>
+            <a:r>
+              <a:rPr lang="en-US" dirty="0" smtClean="0">
+                <a:solidFill>
+                  <a:srgbClr val="FF0000"/>
+                </a:solidFill>
+              </a:rPr>
+              <a:t>ADC10DIVx</a:t>
+            </a:r>
+            <a:r>
+              <a:rPr lang="en-US" dirty="0" smtClean="0"/>
+              <a:t> drive our sampling rate and influence </a:t>
+            </a:r>
+            <a:r>
+              <a:rPr lang="en-US" dirty="0" smtClean="0">
+                <a:solidFill>
+                  <a:srgbClr val="FF0000"/>
+                </a:solidFill>
+              </a:rPr>
+              <a:t>ADC10SHTx</a:t>
+            </a:r>
+            <a:r>
+              <a:rPr lang="en-US" dirty="0" smtClean="0"/>
+              <a:t> for … they are not </a:t>
+            </a:r>
+            <a:r>
+              <a:rPr lang="en-US" dirty="0" err="1" smtClean="0"/>
+              <a:t>independant</a:t>
+            </a:r>
+            <a:endParaRPr lang="en-US" dirty="0"/>
+          </a:p>
+        </p:txBody>
+      </p:sp>
+    </p:spTree>
+    <p:extLst>
+      <p:ext uri="{BB962C8B-B14F-4D97-AF65-F5344CB8AC3E}">
+        <p14:creationId xmlns:p14="http://schemas.microsoft.com/office/powerpoint/2010/main" val="3799501917"/>
+      </p:ext>
+    </p:extLst>
+  </p:cSld>
+  <p:clrMapOvr>
+    <a:masterClrMapping/>
+  </p:clrMapOvr>
+  <p:timing>
+    <p:tnLst>
+      <p:par>
+        <p:cTn id="1" dur="indefinite" restart="never" nodeType="tmRoot">
+          <p:childTnLst>
+            <p:seq concurrent="1" nextAc="seek">
+              <p:cTn id="2" dur="indefinite" nodeType="mainSeq">
+                <p:childTnLst>
+                  <p:par>
+                    <p:cTn id="3" fill="hold">
+                      <p:stCondLst>
+                        <p:cond delay="indefinite"/>
+                      </p:stCondLst>
+                      <p:childTnLst>
+                        <p:par>
+                          <p:cTn id="4" fill="hold">
+                            <p:stCondLst>
+                              <p:cond delay="0"/>
+                            </p:stCondLst>
+                            <p:childTnLst>
+                              <p:par>
+                                <p:cTn id="5" presetID="1" presetClass="entr" presetSubtype="0" fill="hold" grpId="0" nodeType="clickEffect">
+                                  <p:stCondLst>
+                                    <p:cond delay="0"/>
+                                  </p:stCondLst>
+                                  <p:childTnLst>
+                                    <p:set>
+                                      <p:cBhvr>
+                                        <p:cTn id="6" dur="1" fill="hold">
+                                          <p:stCondLst>
+                                            <p:cond delay="0"/>
+                                          </p:stCondLst>
+                                        </p:cTn>
+                                        <p:tgtEl>
+                                          <p:spTgt spid="6"/>
+                                        </p:tgtEl>
+                                        <p:attrNameLst>
+                                          <p:attrName>style.visibility</p:attrName>
+                                        </p:attrNameLst>
+                                      </p:cBhvr>
+                                      <p:to>
+                                        <p:strVal val="visible"/>
+                                      </p:to>
+                                    </p:set>
+                                  </p:childTnLst>
+                                </p:cTn>
+                              </p:par>
+                            </p:childTnLst>
+                          </p:cTn>
+                        </p:par>
+                      </p:childTnLst>
+                    </p:cTn>
+                  </p:par>
+                  <p:par>
+                    <p:cTn id="7" fill="hold">
+                      <p:stCondLst>
+                        <p:cond delay="indefinite"/>
+                      </p:stCondLst>
+                      <p:childTnLst>
+                        <p:par>
+                          <p:cTn id="8" fill="hold">
+                            <p:stCondLst>
+                              <p:cond delay="0"/>
+                            </p:stCondLst>
+                            <p:childTnLst>
+                              <p:par>
+                                <p:cTn id="9" presetID="1" presetClass="entr" presetSubtype="0" fill="hold" grpId="0" nodeType="clickEffect">
+                                  <p:stCondLst>
+                                    <p:cond delay="0"/>
+                                  </p:stCondLst>
+                                  <p:childTnLst>
+                                    <p:set>
+                                      <p:cBhvr>
+                                        <p:cTn id="10" dur="1" fill="hold">
+                                          <p:stCondLst>
+                                            <p:cond delay="0"/>
+                                          </p:stCondLst>
+                                        </p:cTn>
+                                        <p:tgtEl>
+                                          <p:spTgt spid="7"/>
+                                        </p:tgtEl>
+                                        <p:attrNameLst>
+                                          <p:attrName>style.visibility</p:attrName>
+                                        </p:attrNameLst>
+                                      </p:cBhvr>
+                                      <p:to>
+                                        <p:strVal val="visible"/>
+                                      </p:to>
+                                    </p:set>
+                                  </p:childTnLst>
+                                </p:cTn>
+                              </p:par>
+                            </p:childTnLst>
+                          </p:cTn>
+                        </p:par>
+                      </p:childTnLst>
+                    </p:cTn>
+                  </p:par>
+                  <p:par>
+                    <p:cTn id="11" fill="hold">
+                      <p:stCondLst>
+                        <p:cond delay="indefinite"/>
+                      </p:stCondLst>
+                      <p:childTnLst>
+                        <p:par>
+                          <p:cTn id="12" fill="hold">
+                            <p:stCondLst>
+                              <p:cond delay="0"/>
+                            </p:stCondLst>
+                            <p:childTnLst>
+                              <p:par>
+                                <p:cTn id="13" presetID="1" presetClass="entr" presetSubtype="0" fill="hold" grpId="0" nodeType="clickEffect">
+                                  <p:stCondLst>
+                                    <p:cond delay="0"/>
+                                  </p:stCondLst>
+                                  <p:childTnLst>
+                                    <p:set>
+                                      <p:cBhvr>
+                                        <p:cTn id="14" dur="1" fill="hold">
+                                          <p:stCondLst>
+                                            <p:cond delay="0"/>
+                                          </p:stCondLst>
+                                        </p:cTn>
+                                        <p:tgtEl>
+                                          <p:spTgt spid="8"/>
+                                        </p:tgtEl>
+                                        <p:attrNameLst>
+                                          <p:attrName>style.visibility</p:attrName>
+                                        </p:attrNameLst>
+                                      </p:cBhvr>
+                                      <p:to>
+                                        <p:strVal val="visible"/>
+                                      </p:to>
+                                    </p:set>
+                                  </p:childTnLst>
+                                </p:cTn>
+                              </p:par>
+                            </p:childTnLst>
+                          </p:cTn>
+                        </p:par>
+                      </p:childTnLst>
+                    </p:cTn>
+                  </p:par>
+                </p:childTnLst>
+              </p:cTn>
+              <p:prevCondLst>
+                <p:cond evt="onPrev" delay="0">
+                  <p:tgtEl>
+                    <p:sldTgt/>
+                  </p:tgtEl>
+                </p:cond>
+              </p:prevCondLst>
+              <p:nextCondLst>
+                <p:cond evt="onNext" delay="0">
+                  <p:tgtEl>
+                    <p:sldTgt/>
+                  </p:tgtEl>
+                </p:cond>
+              </p:nextCondLst>
+            </p:seq>
+          </p:childTnLst>
+        </p:cTn>
+      </p:par>
+    </p:tnLst>
+    <p:bldLst>
+      <p:bldP spid="6" grpId="0" animBg="1"/>
+      <p:bldP spid="7" grpId="0" animBg="1"/>
+      <p:bldP spid="8" grpId="0" animBg="1"/>
+    </p:bldLst>
+  </p:timing>
+</p:sld>
+</file>
+
+<file path=ppt/slides/slide18.xml><?xml version="1.0" encoding="utf-8"?>
+<p:sld xmlns:a="http://schemas.openxmlformats.org/drawingml/2006/main" xmlns:r="http://schemas.openxmlformats.org/officeDocument/2006/relationships" xmlns:p="http://schemas.openxmlformats.org/presentationml/2006/main">
+  <p:cSld>
+    <p:spTree>
+      <p:nvGrpSpPr>
+        <p:cNvPr id="1" name=""/>
+        <p:cNvGrpSpPr/>
+        <p:nvPr/>
+      </p:nvGrpSpPr>
+      <p:grpSpPr>
+        <a:xfrm>
+          <a:off x="0" y="0"/>
+          <a:ext cx="0" cy="0"/>
+          <a:chOff x="0" y="0"/>
+          <a:chExt cx="0" cy="0"/>
+        </a:xfrm>
+      </p:grpSpPr>
+      <p:sp>
+        <p:nvSpPr>
+          <p:cNvPr id="2" name="Title 1"/>
+          <p:cNvSpPr>
+            <a:spLocks noGrp="1"/>
+          </p:cNvSpPr>
+          <p:nvPr>
+            <p:ph type="title"/>
+          </p:nvPr>
+        </p:nvSpPr>
+        <p:spPr/>
+        <p:txBody>
+          <a:bodyPr/>
+          <a:lstStyle/>
+          <a:p>
+            <a:r>
+              <a:rPr lang="en-US" dirty="0" smtClean="0"/>
               <a:t>While Loop (Disable CPU for Low Power)</a:t>
             </a:r>
             <a:endParaRPr lang="en-US" dirty="0"/>
@@ -12357,7 +12835,7 @@
         <p:spPr>
           <a:xfrm>
             <a:off x="2466133" y="5462945"/>
-            <a:ext cx="1225015" cy="523220"/>
+            <a:ext cx="1338828" cy="1015663"/>
           </a:xfrm>
           <a:prstGeom prst="rect">
             <a:avLst/>
@@ -12376,7 +12854,17 @@
                   <a:schemeClr val="tx1"/>
                 </a:solidFill>
               </a:rPr>
-              <a:t>0x3FF</a:t>
+              <a:t>0x3FF </a:t>
+            </a:r>
+          </a:p>
+          <a:p>
+            <a:r>
+              <a:rPr lang="en-US" dirty="0" smtClean="0">
+                <a:solidFill>
+                  <a:schemeClr val="tx1"/>
+                </a:solidFill>
+              </a:rPr>
+              <a:t>(or 1023)</a:t>
             </a:r>
             <a:endParaRPr lang="en-US" dirty="0">
               <a:solidFill>
@@ -12386,6 +12874,33 @@
           </a:p>
         </p:txBody>
       </p:sp>
+      <p:cxnSp>
+        <p:nvCxnSpPr>
+          <p:cNvPr id="9" name="Straight Arrow Connector 8"/>
+          <p:cNvCxnSpPr/>
+          <p:nvPr/>
+        </p:nvCxnSpPr>
+        <p:spPr bwMode="auto">
+          <a:xfrm>
+            <a:off x="4203335" y="4218291"/>
+            <a:ext cx="592667" cy="0"/>
+          </a:xfrm>
+          <a:prstGeom prst="straightConnector1">
+            <a:avLst/>
+          </a:prstGeom>
+          <a:noFill/>
+          <a:ln w="25400" cap="flat" cmpd="sng" algn="ctr">
+            <a:solidFill>
+              <a:srgbClr val="FF0000"/>
+            </a:solidFill>
+            <a:prstDash val="solid"/>
+            <a:round/>
+            <a:headEnd type="none" w="med" len="med"/>
+            <a:tailEnd type="triangle"/>
+          </a:ln>
+          <a:effectLst/>
+        </p:spPr>
+      </p:cxnSp>
     </p:spTree>
     <p:extLst>
       <p:ext uri="{BB962C8B-B14F-4D97-AF65-F5344CB8AC3E}">
@@ -12494,6 +13009,51 @@
                       </p:childTnLst>
                     </p:cTn>
                   </p:par>
+                  <p:par>
+                    <p:cTn id="11" fill="hold">
+                      <p:stCondLst>
+                        <p:cond delay="indefinite"/>
+                      </p:stCondLst>
+                      <p:childTnLst>
+                        <p:par>
+                          <p:cTn id="12" fill="hold">
+                            <p:stCondLst>
+                              <p:cond delay="0"/>
+                            </p:stCondLst>
+                            <p:childTnLst>
+                              <p:par>
+                                <p:cTn id="13" presetID="1" presetClass="entr" presetSubtype="0" fill="hold" nodeType="clickEffect">
+                                  <p:stCondLst>
+                                    <p:cond delay="0"/>
+                                  </p:stCondLst>
+                                  <p:childTnLst>
+                                    <p:set>
+                                      <p:cBhvr>
+                                        <p:cTn id="14" dur="1" fill="hold">
+                                          <p:stCondLst>
+                                            <p:cond delay="0"/>
+                                          </p:stCondLst>
+                                        </p:cTn>
+                                        <p:tgtEl>
+                                          <p:spTgt spid="9"/>
+                                        </p:tgtEl>
+                                        <p:attrNameLst>
+                                          <p:attrName>style.visibility</p:attrName>
+                                        </p:attrNameLst>
+                                      </p:cBhvr>
+                                      <p:to>
+                                        <p:strVal val="visible"/>
+                                      </p:to>
+                                    </p:set>
+                                  </p:childTnLst>
+                                </p:cTn>
+                              </p:par>
+                            </p:childTnLst>
+                          </p:cTn>
+                        </p:par>
+                      </p:childTnLst>
+                    </p:cTn>
+                  </p:par>
                 </p:childTnLst>
               </p:cTn>
               <p:prevCondLst>
@@ -12523,7 +13083,7 @@
 </p:sld>
 </file>
 
-<file path=ppt/slides/slide18.xml><?xml version="1.0" encoding="utf-8"?>
+<file path=ppt/slides/slide19.xml><?xml version="1.0" encoding="utf-8"?>
 <p:sld xmlns:a="http://schemas.openxmlformats.org/drawingml/2006/main" xmlns:r="http://schemas.openxmlformats.org/officeDocument/2006/relationships" xmlns:p="http://schemas.openxmlformats.org/presentationml/2006/main">
   <p:cSld>
     <p:spTree>
@@ -13315,126 +13875,6 @@
 </p:sld>
 </file>
 
-<file path=ppt/slides/slide19.xml><?xml version="1.0" encoding="utf-8"?>
-<p:sld xmlns:a="http://schemas.openxmlformats.org/drawingml/2006/main" xmlns:r="http://schemas.openxmlformats.org/officeDocument/2006/relationships" xmlns:p="http://schemas.openxmlformats.org/presentationml/2006/main">
-  <p:cSld>
-    <p:spTree>
-      <p:nvGrpSpPr>
-        <p:cNvPr id="1" name=""/>
-        <p:cNvGrpSpPr/>
-        <p:nvPr/>
-      </p:nvGrpSpPr>
-      <p:grpSpPr>
-        <a:xfrm>
-          <a:off x="0" y="0"/>
-          <a:ext cx="0" cy="0"/>
-          <a:chOff x="0" y="0"/>
-          <a:chExt cx="0" cy="0"/>
-        </a:xfrm>
-      </p:grpSpPr>
-      <p:sp>
-        <p:nvSpPr>
-          <p:cNvPr id="2" name="Title 1"/>
-          <p:cNvSpPr>
-            <a:spLocks noGrp="1"/>
-          </p:cNvSpPr>
-          <p:nvPr>
-            <p:ph type="title"/>
-          </p:nvPr>
-        </p:nvSpPr>
-        <p:spPr/>
-        <p:txBody>
-          <a:bodyPr/>
-          <a:lstStyle/>
-          <a:p>
-            <a:r>
-              <a:rPr lang="en-US" dirty="0" smtClean="0"/>
-              <a:t>LM34 </a:t>
-            </a:r>
-            <a:r>
-              <a:rPr lang="en-US" smtClean="0"/>
-              <a:t>Temperature Sensor</a:t>
-            </a:r>
-            <a:endParaRPr lang="en-US"/>
-          </a:p>
-        </p:txBody>
-      </p:sp>
-      <p:pic>
-        <p:nvPicPr>
-          <p:cNvPr id="2050" name="Picture 2"/>
-          <p:cNvPicPr>
-            <a:picLocks noGrp="1" noChangeAspect="1" noChangeArrowheads="1"/>
-          </p:cNvPicPr>
-          <p:nvPr>
-            <p:ph idx="1"/>
-          </p:nvPr>
-        </p:nvPicPr>
-        <p:blipFill>
-          <a:blip r:embed="rId2">
-            <a:extLst>
-              <a:ext uri="{28A0092B-C50C-407E-A947-70E740481C1C}">
-                <a14:useLocalDpi xmlns:a14="http://schemas.microsoft.com/office/drawing/2010/main" val="0"/>
-              </a:ext>
-            </a:extLst>
-          </a:blip>
-          <a:srcRect/>
-          <a:stretch>
-            <a:fillRect/>
-          </a:stretch>
-        </p:blipFill>
-        <p:spPr bwMode="auto">
-          <a:xfrm>
-            <a:off x="685800" y="1547812"/>
-            <a:ext cx="7772400" cy="4371975"/>
-          </a:xfrm>
-          <a:prstGeom prst="rect">
-            <a:avLst/>
-          </a:prstGeom>
-          <a:noFill/>
-          <a:ln>
-            <a:noFill/>
-          </a:ln>
-          <a:extLst>
-            <a:ext uri="{909E8E84-426E-40DD-AFC4-6F175D3DCCD1}">
-              <a14:hiddenFill xmlns:a14="http://schemas.microsoft.com/office/drawing/2010/main">
-                <a:solidFill>
-                  <a:schemeClr val="accent1"/>
-                </a:solidFill>
-              </a14:hiddenFill>
-            </a:ext>
-            <a:ext uri="{91240B29-F687-4F45-9708-019B960494DF}">
-              <a14:hiddenLine xmlns:a14="http://schemas.microsoft.com/office/drawing/2010/main" w="9525">
-                <a:solidFill>
-                  <a:schemeClr val="tx1"/>
-                </a:solidFill>
-                <a:miter lim="800000"/>
-                <a:headEnd/>
-                <a:tailEnd/>
-              </a14:hiddenLine>
-            </a:ext>
-          </a:extLst>
-        </p:spPr>
-      </p:pic>
-    </p:spTree>
-    <p:extLst>
-      <p:ext uri="{BB962C8B-B14F-4D97-AF65-F5344CB8AC3E}">
-        <p14:creationId xmlns:p14="http://schemas.microsoft.com/office/powerpoint/2010/main" val="265618316"/>
-      </p:ext>
-    </p:extLst>
-  </p:cSld>
-  <p:clrMapOvr>
-    <a:masterClrMapping/>
-  </p:clrMapOvr>
-  <p:timing>
-    <p:tnLst>
-      <p:par>
-        <p:cTn id="1" dur="indefinite" restart="never" nodeType="tmRoot"/>
-      </p:par>
-    </p:tnLst>
-  </p:timing>
-</p:sld>
-</file>
-
 <file path=ppt/slides/slide2.xml><?xml version="1.0" encoding="utf-8"?>
 <p:sld xmlns:a="http://schemas.openxmlformats.org/drawingml/2006/main" xmlns:r="http://schemas.openxmlformats.org/officeDocument/2006/relationships" xmlns:p="http://schemas.openxmlformats.org/presentationml/2006/main">
   <p:cSld>
@@ -13714,6 +14154,265 @@
           <a:p>
             <a:r>
               <a:rPr lang="en-US" dirty="0" smtClean="0"/>
+              <a:t>LM34 </a:t>
+            </a:r>
+            <a:r>
+              <a:rPr lang="en-US" smtClean="0"/>
+              <a:t>Temperature Sensor</a:t>
+            </a:r>
+            <a:endParaRPr lang="en-US"/>
+          </a:p>
+        </p:txBody>
+      </p:sp>
+      <p:pic>
+        <p:nvPicPr>
+          <p:cNvPr id="2050" name="Picture 2"/>
+          <p:cNvPicPr>
+            <a:picLocks noGrp="1" noChangeAspect="1" noChangeArrowheads="1"/>
+          </p:cNvPicPr>
+          <p:nvPr>
+            <p:ph idx="1"/>
+          </p:nvPr>
+        </p:nvPicPr>
+        <p:blipFill>
+          <a:blip r:embed="rId2">
+            <a:extLst>
+              <a:ext uri="{28A0092B-C50C-407E-A947-70E740481C1C}">
+                <a14:useLocalDpi xmlns:a14="http://schemas.microsoft.com/office/drawing/2010/main" val="0"/>
+              </a:ext>
+            </a:extLst>
+          </a:blip>
+          <a:srcRect/>
+          <a:stretch>
+            <a:fillRect/>
+          </a:stretch>
+        </p:blipFill>
+        <p:spPr bwMode="auto">
+          <a:xfrm>
+            <a:off x="685800" y="1547812"/>
+            <a:ext cx="7772400" cy="4371975"/>
+          </a:xfrm>
+          <a:prstGeom prst="rect">
+            <a:avLst/>
+          </a:prstGeom>
+          <a:noFill/>
+          <a:ln>
+            <a:noFill/>
+          </a:ln>
+          <a:extLst>
+            <a:ext uri="{909E8E84-426E-40DD-AFC4-6F175D3DCCD1}">
+              <a14:hiddenFill xmlns:a14="http://schemas.microsoft.com/office/drawing/2010/main">
+                <a:solidFill>
+                  <a:schemeClr val="accent1"/>
+                </a:solidFill>
+              </a14:hiddenFill>
+            </a:ext>
+            <a:ext uri="{91240B29-F687-4F45-9708-019B960494DF}">
+              <a14:hiddenLine xmlns:a14="http://schemas.microsoft.com/office/drawing/2010/main" w="9525">
+                <a:solidFill>
+                  <a:schemeClr val="tx1"/>
+                </a:solidFill>
+                <a:miter lim="800000"/>
+                <a:headEnd/>
+                <a:tailEnd/>
+              </a14:hiddenLine>
+            </a:ext>
+          </a:extLst>
+        </p:spPr>
+      </p:pic>
+      <p:sp>
+        <p:nvSpPr>
+          <p:cNvPr id="3" name="TextBox 2"/>
+          <p:cNvSpPr txBox="1"/>
+          <p:nvPr/>
+        </p:nvSpPr>
+        <p:spPr>
+          <a:xfrm>
+            <a:off x="488373" y="5919787"/>
+            <a:ext cx="4335867" cy="461665"/>
+          </a:xfrm>
+          <a:prstGeom prst="rect">
+            <a:avLst/>
+          </a:prstGeom>
+          <a:noFill/>
+        </p:spPr>
+        <p:txBody>
+          <a:bodyPr wrap="none" rtlCol="0">
+            <a:spAutoFit/>
+          </a:bodyPr>
+          <a:lstStyle/>
+          <a:p>
+            <a:r>
+              <a:rPr lang="en-US" dirty="0" smtClean="0"/>
+              <a:t>At 77F, what voltage do I expect?</a:t>
+            </a:r>
+            <a:endParaRPr lang="en-US" dirty="0"/>
+          </a:p>
+        </p:txBody>
+      </p:sp>
+      <p:sp>
+        <p:nvSpPr>
+          <p:cNvPr id="4" name="TextBox 3"/>
+          <p:cNvSpPr txBox="1"/>
+          <p:nvPr/>
+        </p:nvSpPr>
+        <p:spPr>
+          <a:xfrm>
+            <a:off x="4876193" y="5908597"/>
+            <a:ext cx="2677336" cy="461665"/>
+          </a:xfrm>
+          <a:prstGeom prst="rect">
+            <a:avLst/>
+          </a:prstGeom>
+          <a:noFill/>
+        </p:spPr>
+        <p:txBody>
+          <a:bodyPr wrap="none" rtlCol="0">
+            <a:spAutoFit/>
+          </a:bodyPr>
+          <a:lstStyle/>
+          <a:p>
+            <a:r>
+              <a:rPr lang="en-US" dirty="0" smtClean="0">
+                <a:solidFill>
+                  <a:srgbClr val="FF0000"/>
+                </a:solidFill>
+              </a:rPr>
+              <a:t>0.01*77+.5 = 1.27V</a:t>
+            </a:r>
+            <a:endParaRPr lang="en-US" dirty="0">
+              <a:solidFill>
+                <a:srgbClr val="FF0000"/>
+              </a:solidFill>
+            </a:endParaRPr>
+          </a:p>
+        </p:txBody>
+      </p:sp>
+    </p:spTree>
+    <p:extLst>
+      <p:ext uri="{BB962C8B-B14F-4D97-AF65-F5344CB8AC3E}">
+        <p14:creationId xmlns:p14="http://schemas.microsoft.com/office/powerpoint/2010/main" val="265618316"/>
+      </p:ext>
+    </p:extLst>
+  </p:cSld>
+  <p:clrMapOvr>
+    <a:masterClrMapping/>
+  </p:clrMapOvr>
+  <p:timing>
+    <p:tnLst>
+      <p:par>
+        <p:cTn id="1" dur="indefinite" restart="never" nodeType="tmRoot">
+          <p:childTnLst>
+            <p:seq concurrent="1" nextAc="seek">
+              <p:cTn id="2" dur="indefinite" nodeType="mainSeq">
+                <p:childTnLst>
+                  <p:par>
+                    <p:cTn id="3" fill="hold">
+                      <p:stCondLst>
+                        <p:cond delay="indefinite"/>
+                      </p:stCondLst>
+                      <p:childTnLst>
+                        <p:par>
+                          <p:cTn id="4" fill="hold">
+                            <p:stCondLst>
+                              <p:cond delay="0"/>
+                            </p:stCondLst>
+                            <p:childTnLst>
+                              <p:par>
+                                <p:cTn id="5" presetID="1" presetClass="entr" presetSubtype="0" fill="hold" grpId="0" nodeType="clickEffect">
+                                  <p:stCondLst>
+                                    <p:cond delay="0"/>
+                                  </p:stCondLst>
+                                  <p:childTnLst>
+                                    <p:set>
+                                      <p:cBhvr>
+                                        <p:cTn id="6" dur="1" fill="hold">
+                                          <p:stCondLst>
+                                            <p:cond delay="0"/>
+                                          </p:stCondLst>
+                                        </p:cTn>
+                                        <p:tgtEl>
+                                          <p:spTgt spid="4"/>
+                                        </p:tgtEl>
+                                        <p:attrNameLst>
+                                          <p:attrName>style.visibility</p:attrName>
+                                        </p:attrNameLst>
+                                      </p:cBhvr>
+                                      <p:to>
+                                        <p:strVal val="visible"/>
+                                      </p:to>
+                                    </p:set>
+                                  </p:childTnLst>
+                                </p:cTn>
+                              </p:par>
+                            </p:childTnLst>
+                          </p:cTn>
+                        </p:par>
+                      </p:childTnLst>
+                    </p:cTn>
+                  </p:par>
+                </p:childTnLst>
+              </p:cTn>
+              <p:prevCondLst>
+                <p:cond evt="onPrev" delay="0">
+                  <p:tgtEl>
+                    <p:sldTgt/>
+                  </p:tgtEl>
+                </p:cond>
+              </p:prevCondLst>
+              <p:nextCondLst>
+                <p:cond evt="onNext" delay="0">
+                  <p:tgtEl>
+                    <p:sldTgt/>
+                  </p:tgtEl>
+                </p:cond>
+              </p:nextCondLst>
+            </p:seq>
+          </p:childTnLst>
+        </p:cTn>
+      </p:par>
+    </p:tnLst>
+    <p:bldLst>
+      <p:bldP spid="4" grpId="0"/>
+    </p:bldLst>
+  </p:timing>
+</p:sld>
+</file>
+
+<file path=ppt/slides/slide21.xml><?xml version="1.0" encoding="utf-8"?>
+<p:sld xmlns:a="http://schemas.openxmlformats.org/drawingml/2006/main" xmlns:r="http://schemas.openxmlformats.org/officeDocument/2006/relationships" xmlns:p="http://schemas.openxmlformats.org/presentationml/2006/main">
+  <p:cSld>
+    <p:spTree>
+      <p:nvGrpSpPr>
+        <p:cNvPr id="1" name=""/>
+        <p:cNvGrpSpPr/>
+        <p:nvPr/>
+      </p:nvGrpSpPr>
+      <p:grpSpPr>
+        <a:xfrm>
+          <a:off x="0" y="0"/>
+          <a:ext cx="0" cy="0"/>
+          <a:chOff x="0" y="0"/>
+          <a:chExt cx="0" cy="0"/>
+        </a:xfrm>
+      </p:grpSpPr>
+      <p:sp>
+        <p:nvSpPr>
+          <p:cNvPr id="2" name="Title 1"/>
+          <p:cNvSpPr>
+            <a:spLocks noGrp="1"/>
+          </p:cNvSpPr>
+          <p:nvPr>
+            <p:ph type="title"/>
+          </p:nvPr>
+        </p:nvSpPr>
+        <p:spPr/>
+        <p:txBody>
+          <a:bodyPr/>
+          <a:lstStyle/>
+          <a:p>
+            <a:r>
+              <a:rPr lang="en-US" dirty="0" smtClean="0"/>
               <a:t>ADC Temperature Schematic</a:t>
             </a:r>
             <a:endParaRPr lang="en-US" dirty="0"/>
@@ -13783,7 +14482,7 @@
 </p:sld>
 </file>
 
-<file path=ppt/slides/slide21.xml><?xml version="1.0" encoding="utf-8"?>
+<file path=ppt/slides/slide22.xml><?xml version="1.0" encoding="utf-8"?>
 <p:sld xmlns:a="http://schemas.openxmlformats.org/drawingml/2006/main" xmlns:r="http://schemas.openxmlformats.org/officeDocument/2006/relationships" xmlns:p="http://schemas.openxmlformats.org/presentationml/2006/main">
   <p:cSld>
     <p:spTree>
@@ -14730,7 +15429,7 @@
 </p:sld>
 </file>
 
-<file path=ppt/slides/slide22.xml><?xml version="1.0" encoding="utf-8"?>
+<file path=ppt/slides/slide23.xml><?xml version="1.0" encoding="utf-8"?>
 <p:sld xmlns:a="http://schemas.openxmlformats.org/drawingml/2006/main" xmlns:r="http://schemas.openxmlformats.org/officeDocument/2006/relationships" xmlns:p="http://schemas.openxmlformats.org/presentationml/2006/main">
   <p:cSld>
     <p:spTree>
@@ -15512,7 +16211,7 @@
 </p:sld>
 </file>
 
-<file path=ppt/slides/slide23.xml><?xml version="1.0" encoding="utf-8"?>
+<file path=ppt/slides/slide24.xml><?xml version="1.0" encoding="utf-8"?>
 <p:sld xmlns:a="http://schemas.openxmlformats.org/drawingml/2006/main" xmlns:r="http://schemas.openxmlformats.org/officeDocument/2006/relationships" xmlns:p="http://schemas.openxmlformats.org/presentationml/2006/main">
   <p:cSld>
     <p:spTree>
@@ -15673,7 +16372,7 @@
         <p:spPr>
           <a:xfrm>
             <a:off x="457200" y="2906712"/>
-            <a:ext cx="8305800" cy="3951288"/>
+            <a:ext cx="8305800" cy="3161579"/>
           </a:xfrm>
         </p:spPr>
         <p:txBody>
@@ -15778,16 +16477,6 @@
             <a:pPr>
               <a:defRPr/>
             </a:pPr>
-            <a:endParaRPr lang="en-US" smtClean="0">
-              <a:solidFill>
-                <a:srgbClr val="000000"/>
-              </a:solidFill>
-            </a:endParaRPr>
-          </a:p>
-          <a:p>
-            <a:pPr>
-              <a:defRPr/>
-            </a:pPr>
             <a:fld id="{E8D331FD-6F1F-4D9B-AF9A-483E3CAF7677}" type="slidenum">
               <a:rPr lang="en-US" smtClean="0">
                 <a:solidFill>
@@ -15799,7 +16488,7 @@
               </a:pPr>
               <a:t>3</a:t>
             </a:fld>
-            <a:endParaRPr lang="en-US">
+            <a:endParaRPr lang="en-US" dirty="0">
               <a:solidFill>
                 <a:srgbClr val="000000"/>
               </a:solidFill>
@@ -17003,7 +17692,6 @@
               <a:rPr lang="en-US" dirty="0" smtClean="0"/>
               <a:t>Sample</a:t>
             </a:r>
-            <a:endParaRPr lang="en-US" dirty="0" smtClean="0"/>
           </a:p>
           <a:p>
             <a:pPr lvl="1"/>
@@ -17025,11 +17713,7 @@
             <a:pPr lvl="1"/>
             <a:r>
               <a:rPr lang="en-US" dirty="0" smtClean="0"/>
-              <a:t>Every 5 lessons</a:t>
-            </a:r>
-            <a:r>
-              <a:rPr lang="en-US" dirty="0" smtClean="0"/>
-              <a:t>?</a:t>
+              <a:t>Every 5 lessons?</a:t>
             </a:r>
             <a:endParaRPr lang="en-US" dirty="0"/>
           </a:p>
@@ -17565,16 +18249,6 @@
               </a:rPr>
               <a:t>Inputs</a:t>
             </a:r>
-            <a:endParaRPr kumimoji="0" lang="en-US" sz="1600" b="0" i="0" u="none" strike="noStrike" cap="none" normalizeH="0" baseline="0" dirty="0" smtClean="0">
-              <a:ln>
-                <a:noFill/>
-              </a:ln>
-              <a:solidFill>
-                <a:schemeClr val="tx1"/>
-              </a:solidFill>
-              <a:effectLst/>
-              <a:latin typeface="Arial" charset="0"/>
-            </a:endParaRPr>
           </a:p>
         </p:txBody>
       </p:sp>
@@ -17587,7 +18261,7 @@
         <p:spPr>
           <a:xfrm>
             <a:off x="32129" y="3295153"/>
-            <a:ext cx="1706294" cy="646331"/>
+            <a:ext cx="1706294" cy="923330"/>
           </a:xfrm>
           <a:prstGeom prst="rect">
             <a:avLst/>
@@ -17602,7 +18276,11 @@
           <a:p>
             <a:r>
               <a:rPr lang="en-US" sz="1800" dirty="0" smtClean="0"/>
-              <a:t>MSP430G2553 has 8 inputs</a:t>
+              <a:t>MSP430G2553 has 8 </a:t>
+            </a:r>
+            <a:r>
+              <a:rPr lang="en-US" sz="1800" dirty="0" smtClean="0"/>
+              <a:t>inputs or channels</a:t>
             </a:r>
             <a:endParaRPr lang="en-US" sz="1800" dirty="0"/>
           </a:p>
@@ -17662,7 +18340,15 @@
           <a:p>
             <a:r>
               <a:rPr lang="en-US" dirty="0" smtClean="0"/>
-              <a:t>Lesson 36 TI Example code</a:t>
+              <a:t>ADC Example </a:t>
+            </a:r>
+            <a:r>
+              <a:rPr lang="en-US" dirty="0"/>
+              <a:t>C</a:t>
+            </a:r>
+            <a:r>
+              <a:rPr lang="en-US" dirty="0" smtClean="0"/>
+              <a:t>ode</a:t>
             </a:r>
             <a:endParaRPr lang="en-US" dirty="0"/>
           </a:p>
@@ -17944,16 +18630,34 @@
                 </a:solidFill>
                 <a:latin typeface="Consolas"/>
               </a:rPr>
-              <a:t>  ADC10CTL1 |= ADC10SSEL1|ADC10SSEL0;                </a:t>
+              <a:t>  ADC10CTL1 |= ADC10SSEL1|ADC10SSEL0;      </a:t>
             </a:r>
             <a:r>
               <a:rPr lang="en-US" sz="800" dirty="0" smtClean="0">
                 <a:solidFill>
+                  <a:srgbClr val="000000"/>
+                </a:solidFill>
+                <a:latin typeface="Consolas"/>
+              </a:rPr>
+              <a:t> </a:t>
+            </a:r>
+            <a:r>
+              <a:rPr lang="en-US" sz="800" dirty="0" smtClean="0">
+                <a:solidFill>
                   <a:srgbClr val="3F7F5F"/>
                 </a:solidFill>
                 <a:latin typeface="Consolas"/>
               </a:rPr>
-              <a:t>// Select SMCLK</a:t>
+              <a:t>// </a:t>
+            </a:r>
+            <a:r>
+              <a:rPr lang="en-US" sz="800" dirty="0" smtClean="0">
+                <a:solidFill>
+                  <a:srgbClr val="3F7F5F"/>
+                </a:solidFill>
+                <a:latin typeface="Consolas"/>
+              </a:rPr>
+              <a:t>Select SMCLK</a:t>
             </a:r>
           </a:p>
           <a:p>
@@ -18745,6 +19449,100 @@
               </a:rPr>
               <a:t>Read Encoded Value</a:t>
             </a:r>
+          </a:p>
+        </p:txBody>
+      </p:sp>
+      <p:sp>
+        <p:nvSpPr>
+          <p:cNvPr id="5" name="Rectangular Callout 4"/>
+          <p:cNvSpPr/>
+          <p:nvPr/>
+        </p:nvSpPr>
+        <p:spPr bwMode="auto">
+          <a:xfrm>
+            <a:off x="5039591" y="4917431"/>
+            <a:ext cx="3543300" cy="1265160"/>
+          </a:xfrm>
+          <a:prstGeom prst="wedgeRectCallout">
+            <a:avLst>
+              <a:gd name="adj1" fmla="val -141947"/>
+              <a:gd name="adj2" fmla="val -90038"/>
+            </a:avLst>
+          </a:prstGeom>
+          <a:solidFill>
+            <a:srgbClr val="FFFF00"/>
+          </a:solidFill>
+          <a:ln w="12700" cap="flat" cmpd="sng" algn="ctr">
+            <a:solidFill>
+              <a:schemeClr val="tx1"/>
+            </a:solidFill>
+            <a:prstDash val="solid"/>
+            <a:round/>
+            <a:headEnd type="none" w="med" len="med"/>
+            <a:tailEnd type="none" w="med" len="med"/>
+          </a:ln>
+          <a:effectLst/>
+        </p:spPr>
+        <p:txBody>
+          <a:bodyPr vert="horz" wrap="square" lIns="91440" tIns="45720" rIns="91440" bIns="45720" numCol="1" rtlCol="0" anchor="ctr" anchorCtr="0" compatLnSpc="1">
+            <a:prstTxWarp prst="textNoShape">
+              <a:avLst/>
+            </a:prstTxWarp>
+          </a:bodyPr>
+          <a:lstStyle/>
+          <a:p>
+            <a:pPr marL="0" marR="0" indent="0" algn="ctr" defTabSz="914400" rtl="0" eaLnBrk="0" fontAlgn="base" latinLnBrk="0" hangingPunct="0">
+              <a:lnSpc>
+                <a:spcPct val="100000"/>
+              </a:lnSpc>
+              <a:spcBef>
+                <a:spcPct val="0"/>
+              </a:spcBef>
+              <a:spcAft>
+                <a:spcPct val="0"/>
+              </a:spcAft>
+              <a:buClrTx/>
+              <a:buSzTx/>
+              <a:buFontTx/>
+              <a:buNone/>
+              <a:tabLst/>
+            </a:pPr>
+            <a:r>
+              <a:rPr kumimoji="0" lang="en-US" sz="1600" b="0" i="0" u="none" strike="noStrike" cap="none" normalizeH="0" baseline="0" dirty="0" smtClean="0">
+                <a:ln>
+                  <a:noFill/>
+                </a:ln>
+                <a:solidFill>
+                  <a:schemeClr val="tx1"/>
+                </a:solidFill>
+                <a:effectLst/>
+                <a:latin typeface="Arial" charset="0"/>
+              </a:rPr>
+              <a:t>This just turns an</a:t>
+            </a:r>
+            <a:r>
+              <a:rPr kumimoji="0" lang="en-US" sz="1600" b="0" i="0" u="none" strike="noStrike" cap="none" normalizeH="0" dirty="0" smtClean="0">
+                <a:ln>
+                  <a:noFill/>
+                </a:ln>
+                <a:solidFill>
+                  <a:schemeClr val="tx1"/>
+                </a:solidFill>
+                <a:effectLst/>
+                <a:latin typeface="Arial" charset="0"/>
+              </a:rPr>
+              <a:t> LED on or off based on the input voltage level … for Lab4 you will adjust a PWM signal based on an input voltage</a:t>
+            </a:r>
+            <a:endParaRPr kumimoji="0" lang="en-US" sz="1600" b="0" i="0" u="none" strike="noStrike" cap="none" normalizeH="0" baseline="0" dirty="0" smtClean="0">
+              <a:ln>
+                <a:noFill/>
+              </a:ln>
+              <a:solidFill>
+                <a:schemeClr val="tx1"/>
+              </a:solidFill>
+              <a:effectLst/>
+              <a:latin typeface="Arial" charset="0"/>
+            </a:endParaRPr>
           </a:p>
         </p:txBody>
       </p:sp>
